--- a/R_DSC3.pptx
+++ b/R_DSC3.pptx
@@ -5,7 +5,7 @@
     <p:sldMasterId id="2147483648" r:id="rId1"/>
   </p:sldMasterIdLst>
   <p:notesMasterIdLst>
-    <p:notesMasterId r:id="rId12"/>
+    <p:notesMasterId r:id="rId13"/>
   </p:notesMasterIdLst>
   <p:sldIdLst>
     <p:sldId id="256" r:id="rId2"/>
@@ -13,11 +13,12 @@
     <p:sldId id="258" r:id="rId4"/>
     <p:sldId id="291" r:id="rId5"/>
     <p:sldId id="292" r:id="rId6"/>
-    <p:sldId id="293" r:id="rId7"/>
-    <p:sldId id="294" r:id="rId8"/>
-    <p:sldId id="295" r:id="rId9"/>
-    <p:sldId id="296" r:id="rId10"/>
-    <p:sldId id="297" r:id="rId11"/>
+    <p:sldId id="298" r:id="rId7"/>
+    <p:sldId id="293" r:id="rId8"/>
+    <p:sldId id="294" r:id="rId9"/>
+    <p:sldId id="295" r:id="rId10"/>
+    <p:sldId id="296" r:id="rId11"/>
+    <p:sldId id="297" r:id="rId12"/>
   </p:sldIdLst>
   <p:sldSz cx="12192000" cy="6858000"/>
   <p:notesSz cx="6858000" cy="9144000"/>
@@ -209,7 +210,7 @@
           <a:p>
             <a:fld id="{DB7E3FC9-2AA1-4318-940B-290A799641B7}" type="datetimeFigureOut">
               <a:rPr lang="en-US" smtClean="0"/>
-              <a:t>9/4/2018</a:t>
+              <a:t>9/10/2018</a:t>
             </a:fld>
             <a:endParaRPr lang="en-US"/>
           </a:p>
@@ -629,7 +630,7 @@
           <a:p>
             <a:fld id="{35340DA7-3F6C-4C89-8E5F-1539616AE3AD}" type="datetimeFigureOut">
               <a:rPr lang="en-US" smtClean="0"/>
-              <a:t>9/4/2018</a:t>
+              <a:t>9/10/2018</a:t>
             </a:fld>
             <a:endParaRPr lang="en-US"/>
           </a:p>
@@ -851,7 +852,7 @@
           <a:p>
             <a:fld id="{35340DA7-3F6C-4C89-8E5F-1539616AE3AD}" type="datetimeFigureOut">
               <a:rPr lang="en-US" smtClean="0"/>
-              <a:t>9/4/2018</a:t>
+              <a:t>9/10/2018</a:t>
             </a:fld>
             <a:endParaRPr lang="en-US"/>
           </a:p>
@@ -1073,7 +1074,7 @@
           <a:p>
             <a:fld id="{35340DA7-3F6C-4C89-8E5F-1539616AE3AD}" type="datetimeFigureOut">
               <a:rPr lang="en-US" smtClean="0"/>
-              <a:t>9/4/2018</a:t>
+              <a:t>9/10/2018</a:t>
             </a:fld>
             <a:endParaRPr lang="en-US"/>
           </a:p>
@@ -1295,7 +1296,7 @@
           <a:p>
             <a:fld id="{35340DA7-3F6C-4C89-8E5F-1539616AE3AD}" type="datetimeFigureOut">
               <a:rPr lang="en-US" smtClean="0"/>
-              <a:t>9/4/2018</a:t>
+              <a:t>9/10/2018</a:t>
             </a:fld>
             <a:endParaRPr lang="en-US"/>
           </a:p>
@@ -1584,7 +1585,7 @@
           <a:p>
             <a:fld id="{35340DA7-3F6C-4C89-8E5F-1539616AE3AD}" type="datetimeFigureOut">
               <a:rPr lang="en-US" smtClean="0"/>
-              <a:t>9/4/2018</a:t>
+              <a:t>9/10/2018</a:t>
             </a:fld>
             <a:endParaRPr lang="en-US"/>
           </a:p>
@@ -1871,7 +1872,7 @@
           <a:p>
             <a:fld id="{35340DA7-3F6C-4C89-8E5F-1539616AE3AD}" type="datetimeFigureOut">
               <a:rPr lang="en-US" smtClean="0"/>
-              <a:t>9/4/2018</a:t>
+              <a:t>9/10/2018</a:t>
             </a:fld>
             <a:endParaRPr lang="en-US"/>
           </a:p>
@@ -2306,7 +2307,7 @@
           <a:p>
             <a:fld id="{35340DA7-3F6C-4C89-8E5F-1539616AE3AD}" type="datetimeFigureOut">
               <a:rPr lang="en-US" smtClean="0"/>
-              <a:t>9/4/2018</a:t>
+              <a:t>9/10/2018</a:t>
             </a:fld>
             <a:endParaRPr lang="en-US"/>
           </a:p>
@@ -2463,7 +2464,7 @@
           <a:p>
             <a:fld id="{35340DA7-3F6C-4C89-8E5F-1539616AE3AD}" type="datetimeFigureOut">
               <a:rPr lang="en-US" smtClean="0"/>
-              <a:t>9/4/2018</a:t>
+              <a:t>9/10/2018</a:t>
             </a:fld>
             <a:endParaRPr lang="en-US"/>
           </a:p>
@@ -2584,7 +2585,7 @@
           <a:p>
             <a:fld id="{35340DA7-3F6C-4C89-8E5F-1539616AE3AD}" type="datetimeFigureOut">
               <a:rPr lang="en-US" smtClean="0"/>
-              <a:t>9/4/2018</a:t>
+              <a:t>9/10/2018</a:t>
             </a:fld>
             <a:endParaRPr lang="en-US"/>
           </a:p>
@@ -2912,7 +2913,7 @@
           <a:p>
             <a:fld id="{35340DA7-3F6C-4C89-8E5F-1539616AE3AD}" type="datetimeFigureOut">
               <a:rPr lang="en-US" smtClean="0"/>
-              <a:t>9/4/2018</a:t>
+              <a:t>9/10/2018</a:t>
             </a:fld>
             <a:endParaRPr lang="en-US"/>
           </a:p>
@@ -3217,7 +3218,7 @@
           <a:p>
             <a:fld id="{35340DA7-3F6C-4C89-8E5F-1539616AE3AD}" type="datetimeFigureOut">
               <a:rPr lang="en-US" smtClean="0"/>
-              <a:t>9/4/2018</a:t>
+              <a:t>9/10/2018</a:t>
             </a:fld>
             <a:endParaRPr lang="en-US"/>
           </a:p>
@@ -3361,7 +3362,7 @@
           <a:p>
             <a:fld id="{35340DA7-3F6C-4C89-8E5F-1539616AE3AD}" type="datetimeFigureOut">
               <a:rPr lang="en-US" smtClean="0"/>
-              <a:t>9/4/2018</a:t>
+              <a:t>9/10/2018</a:t>
             </a:fld>
             <a:endParaRPr lang="en-US"/>
           </a:p>
@@ -4286,6 +4287,138 @@
           <p:cNvPr id="2" name="Title 1">
             <a:extLst>
               <a:ext uri="{FF2B5EF4-FFF2-40B4-BE49-F238E27FC236}">
+                <a16:creationId xmlns:a16="http://schemas.microsoft.com/office/drawing/2014/main" id="{80B392AD-2746-405C-A837-E5C39545D814}"/>
+              </a:ext>
+            </a:extLst>
+          </p:cNvPr>
+          <p:cNvSpPr>
+            <a:spLocks noGrp="1"/>
+          </p:cNvSpPr>
+          <p:nvPr>
+            <p:ph type="title"/>
+          </p:nvPr>
+        </p:nvSpPr>
+        <p:spPr/>
+        <p:txBody>
+          <a:bodyPr/>
+          <a:lstStyle/>
+          <a:p>
+            <a:r>
+              <a:rPr lang="en-US" dirty="0"/>
+              <a:t>Histogram</a:t>
+            </a:r>
+          </a:p>
+        </p:txBody>
+      </p:sp>
+      <p:sp>
+        <p:nvSpPr>
+          <p:cNvPr id="3" name="Content Placeholder 2">
+            <a:extLst>
+              <a:ext uri="{FF2B5EF4-FFF2-40B4-BE49-F238E27FC236}">
+                <a16:creationId xmlns:a16="http://schemas.microsoft.com/office/drawing/2014/main" id="{22DEB83D-986D-4036-BFC2-E15CC9B3FCF7}"/>
+              </a:ext>
+            </a:extLst>
+          </p:cNvPr>
+          <p:cNvSpPr>
+            <a:spLocks noGrp="1"/>
+          </p:cNvSpPr>
+          <p:nvPr>
+            <p:ph idx="1"/>
+          </p:nvPr>
+        </p:nvSpPr>
+        <p:spPr>
+          <a:xfrm>
+            <a:off x="838200" y="1825625"/>
+            <a:ext cx="10515600" cy="543502"/>
+          </a:xfrm>
+        </p:spPr>
+        <p:txBody>
+          <a:bodyPr/>
+          <a:lstStyle/>
+          <a:p>
+            <a:pPr marL="0" indent="0">
+              <a:buNone/>
+            </a:pPr>
+            <a:r>
+              <a:rPr lang="en-US" dirty="0"/>
+              <a:t>hist(</a:t>
+            </a:r>
+            <a:r>
+              <a:rPr lang="en-US" dirty="0" err="1"/>
+              <a:t>iris$Sepal.Length</a:t>
+            </a:r>
+            <a:r>
+              <a:rPr lang="en-US" dirty="0"/>
+              <a:t>)</a:t>
+            </a:r>
+          </a:p>
+        </p:txBody>
+      </p:sp>
+      <p:pic>
+        <p:nvPicPr>
+          <p:cNvPr id="4" name="Picture 3">
+            <a:extLst>
+              <a:ext uri="{FF2B5EF4-FFF2-40B4-BE49-F238E27FC236}">
+                <a16:creationId xmlns:a16="http://schemas.microsoft.com/office/drawing/2014/main" id="{B453FBDB-527C-4809-A1B0-D8A49B254107}"/>
+              </a:ext>
+            </a:extLst>
+          </p:cNvPr>
+          <p:cNvPicPr>
+            <a:picLocks noChangeAspect="1"/>
+          </p:cNvPicPr>
+          <p:nvPr/>
+        </p:nvPicPr>
+        <p:blipFill>
+          <a:blip r:embed="rId2"/>
+          <a:stretch>
+            <a:fillRect/>
+          </a:stretch>
+        </p:blipFill>
+        <p:spPr>
+          <a:xfrm>
+            <a:off x="6842309" y="1825625"/>
+            <a:ext cx="4511491" cy="4484485"/>
+          </a:xfrm>
+          <a:prstGeom prst="rect">
+            <a:avLst/>
+          </a:prstGeom>
+        </p:spPr>
+      </p:pic>
+    </p:spTree>
+    <p:extLst>
+      <p:ext uri="{BB962C8B-B14F-4D97-AF65-F5344CB8AC3E}">
+        <p14:creationId xmlns:p14="http://schemas.microsoft.com/office/powerpoint/2010/main" val="1334821151"/>
+      </p:ext>
+    </p:extLst>
+  </p:cSld>
+  <p:clrMapOvr>
+    <a:masterClrMapping/>
+  </p:clrMapOvr>
+</p:sld>
+</file>
+
+<file path=ppt/slides/slide11.xml><?xml version="1.0" encoding="utf-8"?>
+<p:sld xmlns:a="http://schemas.openxmlformats.org/drawingml/2006/main" xmlns:r="http://schemas.openxmlformats.org/officeDocument/2006/relationships" xmlns:p="http://schemas.openxmlformats.org/presentationml/2006/main">
+  <p:cSld>
+    <p:spTree>
+      <p:nvGrpSpPr>
+        <p:cNvPr id="1" name=""/>
+        <p:cNvGrpSpPr/>
+        <p:nvPr/>
+      </p:nvGrpSpPr>
+      <p:grpSpPr>
+        <a:xfrm>
+          <a:off x="0" y="0"/>
+          <a:ext cx="0" cy="0"/>
+          <a:chOff x="0" y="0"/>
+          <a:chExt cx="0" cy="0"/>
+        </a:xfrm>
+      </p:grpSpPr>
+      <p:sp>
+        <p:nvSpPr>
+          <p:cNvPr id="2" name="Title 1">
+            <a:extLst>
+              <a:ext uri="{FF2B5EF4-FFF2-40B4-BE49-F238E27FC236}">
                 <a16:creationId xmlns:a16="http://schemas.microsoft.com/office/drawing/2014/main" id="{0D3CB830-5B3A-419E-9887-A684D29DFA3A}"/>
               </a:ext>
             </a:extLst>
@@ -5074,7 +5207,7 @@
           <p:cNvPr id="2" name="Title 1">
             <a:extLst>
               <a:ext uri="{FF2B5EF4-FFF2-40B4-BE49-F238E27FC236}">
-                <a16:creationId xmlns:a16="http://schemas.microsoft.com/office/drawing/2014/main" id="{590DCAE8-8E89-42B0-8B2E-557A9F769F3B}"/>
+                <a16:creationId xmlns:a16="http://schemas.microsoft.com/office/drawing/2014/main" id="{9F395DFD-84AC-47C0-B0AF-248ED4B42DC6}"/>
               </a:ext>
             </a:extLst>
           </p:cNvPr>
@@ -5090,10 +5223,7 @@
           <a:bodyPr/>
           <a:lstStyle/>
           <a:p>
-            <a:r>
-              <a:rPr lang="en-US" dirty="0"/>
-              <a:t>Boxplot</a:t>
-            </a:r>
+            <a:endParaRPr lang="en-US" dirty="0"/>
           </a:p>
         </p:txBody>
       </p:sp>
@@ -5102,7 +5232,7 @@
           <p:cNvPr id="3" name="Content Placeholder 2">
             <a:extLst>
               <a:ext uri="{FF2B5EF4-FFF2-40B4-BE49-F238E27FC236}">
-                <a16:creationId xmlns:a16="http://schemas.microsoft.com/office/drawing/2014/main" id="{2CF405E6-0ED8-45C7-9E33-622EEE69BB96}"/>
+                <a16:creationId xmlns:a16="http://schemas.microsoft.com/office/drawing/2014/main" id="{1157B681-22A4-45CA-90E3-59A9C1305795}"/>
               </a:ext>
             </a:extLst>
           </p:cNvPr>
@@ -5113,84 +5243,21 @@
             <p:ph idx="1"/>
           </p:nvPr>
         </p:nvSpPr>
-        <p:spPr>
-          <a:xfrm>
-            <a:off x="838200" y="1825625"/>
-            <a:ext cx="10515600" cy="3633066"/>
-          </a:xfrm>
-        </p:spPr>
-        <p:txBody>
-          <a:bodyPr/>
-          <a:lstStyle/>
-          <a:p>
-            <a:r>
-              <a:rPr lang="en-US" dirty="0"/>
-              <a:t>Simple</a:t>
-            </a:r>
-          </a:p>
-          <a:p>
-            <a:pPr marL="0" indent="0">
-              <a:buNone/>
-            </a:pPr>
-            <a:r>
-              <a:rPr lang="en-US" dirty="0"/>
-              <a:t>boxplot(</a:t>
-            </a:r>
-            <a:r>
-              <a:rPr lang="en-US" dirty="0" err="1"/>
-              <a:t>InsectSprays$count</a:t>
-            </a:r>
-            <a:r>
-              <a:rPr lang="en-US" dirty="0"/>
-              <a:t>)</a:t>
-            </a:r>
-          </a:p>
-          <a:p>
-            <a:pPr marL="0" indent="0">
-              <a:buNone/>
-            </a:pPr>
-            <a:endParaRPr lang="en-US" dirty="0"/>
-          </a:p>
-          <a:p>
-            <a:pPr marL="0" indent="0">
-              <a:buNone/>
-            </a:pPr>
-            <a:endParaRPr lang="en-US" dirty="0"/>
-          </a:p>
-          <a:p>
-            <a:r>
-              <a:rPr lang="en-US" dirty="0"/>
-              <a:t>Multiple</a:t>
-            </a:r>
-          </a:p>
-          <a:p>
-            <a:pPr marL="0" indent="0">
-              <a:buNone/>
-            </a:pPr>
-            <a:r>
-              <a:rPr lang="en-US" dirty="0"/>
-              <a:t>boxplot(</a:t>
-            </a:r>
-            <a:r>
-              <a:rPr lang="en-US" dirty="0" err="1"/>
-              <a:t>InsectSprays</a:t>
-            </a:r>
-            <a:r>
-              <a:rPr lang="en-US" dirty="0"/>
-              <a:t>)</a:t>
-            </a:r>
-          </a:p>
-          <a:p>
-            <a:endParaRPr lang="en-US" dirty="0"/>
+        <p:spPr/>
+        <p:txBody>
+          <a:bodyPr/>
+          <a:lstStyle/>
+          <a:p>
+            <a:endParaRPr lang="en-US"/>
           </a:p>
         </p:txBody>
       </p:sp>
       <p:pic>
         <p:nvPicPr>
-          <p:cNvPr id="7" name="Picture 6">
-            <a:extLst>
-              <a:ext uri="{FF2B5EF4-FFF2-40B4-BE49-F238E27FC236}">
-                <a16:creationId xmlns:a16="http://schemas.microsoft.com/office/drawing/2014/main" id="{74418285-CC05-4628-BC79-4D2BE32A4441}"/>
+          <p:cNvPr id="4" name="Picture 3">
+            <a:extLst>
+              <a:ext uri="{FF2B5EF4-FFF2-40B4-BE49-F238E27FC236}">
+                <a16:creationId xmlns:a16="http://schemas.microsoft.com/office/drawing/2014/main" id="{D7CD5B68-5544-48EE-9D7E-955EFC13ED97}"/>
               </a:ext>
             </a:extLst>
           </p:cNvPr>
@@ -5207,38 +5274,8 @@
         </p:blipFill>
         <p:spPr>
           <a:xfrm>
-            <a:off x="6964461" y="721105"/>
-            <a:ext cx="4389339" cy="4362844"/>
-          </a:xfrm>
-          <a:prstGeom prst="rect">
-            <a:avLst/>
-          </a:prstGeom>
-        </p:spPr>
-      </p:pic>
-      <p:pic>
-        <p:nvPicPr>
-          <p:cNvPr id="8" name="Picture 7">
-            <a:extLst>
-              <a:ext uri="{FF2B5EF4-FFF2-40B4-BE49-F238E27FC236}">
-                <a16:creationId xmlns:a16="http://schemas.microsoft.com/office/drawing/2014/main" id="{47F549F7-3F2C-4D3C-965E-9D4645409799}"/>
-              </a:ext>
-            </a:extLst>
-          </p:cNvPr>
-          <p:cNvPicPr>
-            <a:picLocks noChangeAspect="1"/>
-          </p:cNvPicPr>
-          <p:nvPr/>
-        </p:nvPicPr>
-        <p:blipFill>
-          <a:blip r:embed="rId3"/>
-          <a:stretch>
-            <a:fillRect/>
-          </a:stretch>
-        </p:blipFill>
-        <p:spPr>
-          <a:xfrm>
-            <a:off x="3901330" y="2495156"/>
-            <a:ext cx="4389339" cy="4362844"/>
+            <a:off x="311727" y="600210"/>
+            <a:ext cx="10300856" cy="5950832"/>
           </a:xfrm>
           <a:prstGeom prst="rect">
             <a:avLst/>
@@ -5248,7 +5285,7 @@
     </p:spTree>
     <p:extLst>
       <p:ext uri="{BB962C8B-B14F-4D97-AF65-F5344CB8AC3E}">
-        <p14:creationId xmlns:p14="http://schemas.microsoft.com/office/powerpoint/2010/main" val="1384958906"/>
+        <p14:creationId xmlns:p14="http://schemas.microsoft.com/office/powerpoint/2010/main" val="1642219089"/>
       </p:ext>
     </p:extLst>
   </p:cSld>
@@ -5280,7 +5317,7 @@
           <p:cNvPr id="2" name="Title 1">
             <a:extLst>
               <a:ext uri="{FF2B5EF4-FFF2-40B4-BE49-F238E27FC236}">
-                <a16:creationId xmlns:a16="http://schemas.microsoft.com/office/drawing/2014/main" id="{7C87D34B-E501-4AFD-9300-AFA36E16CD5E}"/>
+                <a16:creationId xmlns:a16="http://schemas.microsoft.com/office/drawing/2014/main" id="{590DCAE8-8E89-42B0-8B2E-557A9F769F3B}"/>
               </a:ext>
             </a:extLst>
           </p:cNvPr>
@@ -5308,7 +5345,7 @@
           <p:cNvPr id="3" name="Content Placeholder 2">
             <a:extLst>
               <a:ext uri="{FF2B5EF4-FFF2-40B4-BE49-F238E27FC236}">
-                <a16:creationId xmlns:a16="http://schemas.microsoft.com/office/drawing/2014/main" id="{33146D1A-0A7C-4C38-8C5E-24B8086B7448}"/>
+                <a16:creationId xmlns:a16="http://schemas.microsoft.com/office/drawing/2014/main" id="{2CF405E6-0ED8-45C7-9E33-622EEE69BB96}"/>
               </a:ext>
             </a:extLst>
           </p:cNvPr>
@@ -5319,14 +5356,19 @@
             <p:ph idx="1"/>
           </p:nvPr>
         </p:nvSpPr>
-        <p:spPr/>
+        <p:spPr>
+          <a:xfrm>
+            <a:off x="838200" y="1825625"/>
+            <a:ext cx="10515600" cy="3633066"/>
+          </a:xfrm>
+        </p:spPr>
         <p:txBody>
           <a:bodyPr/>
           <a:lstStyle/>
           <a:p>
             <a:r>
               <a:rPr lang="en-US" dirty="0"/>
-              <a:t>Separated by Factor</a:t>
+              <a:t>Simple</a:t>
             </a:r>
           </a:p>
           <a:p>
@@ -5335,7 +5377,42 @@
             </a:pPr>
             <a:r>
               <a:rPr lang="en-US" dirty="0"/>
-              <a:t>boxplot(count ~ spray, data = </a:t>
+              <a:t>boxplot(</a:t>
+            </a:r>
+            <a:r>
+              <a:rPr lang="en-US" dirty="0" err="1"/>
+              <a:t>InsectSprays$count</a:t>
+            </a:r>
+            <a:r>
+              <a:rPr lang="en-US" dirty="0"/>
+              <a:t>)</a:t>
+            </a:r>
+          </a:p>
+          <a:p>
+            <a:pPr marL="0" indent="0">
+              <a:buNone/>
+            </a:pPr>
+            <a:endParaRPr lang="en-US" dirty="0"/>
+          </a:p>
+          <a:p>
+            <a:pPr marL="0" indent="0">
+              <a:buNone/>
+            </a:pPr>
+            <a:endParaRPr lang="en-US" dirty="0"/>
+          </a:p>
+          <a:p>
+            <a:r>
+              <a:rPr lang="en-US" dirty="0"/>
+              <a:t>Multiple</a:t>
+            </a:r>
+          </a:p>
+          <a:p>
+            <a:pPr marL="0" indent="0">
+              <a:buNone/>
+            </a:pPr>
+            <a:r>
+              <a:rPr lang="en-US" dirty="0"/>
+              <a:t>boxplot(</a:t>
             </a:r>
             <a:r>
               <a:rPr lang="en-US" dirty="0" err="1"/>
@@ -5346,14 +5423,17 @@
               <a:t>)</a:t>
             </a:r>
           </a:p>
+          <a:p>
+            <a:endParaRPr lang="en-US" dirty="0"/>
+          </a:p>
         </p:txBody>
       </p:sp>
       <p:pic>
         <p:nvPicPr>
-          <p:cNvPr id="5" name="Picture 4">
-            <a:extLst>
-              <a:ext uri="{FF2B5EF4-FFF2-40B4-BE49-F238E27FC236}">
-                <a16:creationId xmlns:a16="http://schemas.microsoft.com/office/drawing/2014/main" id="{4964298C-5A02-474A-B708-A2B43E725EDC}"/>
+          <p:cNvPr id="7" name="Picture 6">
+            <a:extLst>
+              <a:ext uri="{FF2B5EF4-FFF2-40B4-BE49-F238E27FC236}">
+                <a16:creationId xmlns:a16="http://schemas.microsoft.com/office/drawing/2014/main" id="{74418285-CC05-4628-BC79-4D2BE32A4441}"/>
               </a:ext>
             </a:extLst>
           </p:cNvPr>
@@ -5370,7 +5450,37 @@
         </p:blipFill>
         <p:spPr>
           <a:xfrm>
-            <a:off x="6964461" y="2130031"/>
+            <a:off x="6964461" y="721105"/>
+            <a:ext cx="4389339" cy="4362844"/>
+          </a:xfrm>
+          <a:prstGeom prst="rect">
+            <a:avLst/>
+          </a:prstGeom>
+        </p:spPr>
+      </p:pic>
+      <p:pic>
+        <p:nvPicPr>
+          <p:cNvPr id="8" name="Picture 7">
+            <a:extLst>
+              <a:ext uri="{FF2B5EF4-FFF2-40B4-BE49-F238E27FC236}">
+                <a16:creationId xmlns:a16="http://schemas.microsoft.com/office/drawing/2014/main" id="{47F549F7-3F2C-4D3C-965E-9D4645409799}"/>
+              </a:ext>
+            </a:extLst>
+          </p:cNvPr>
+          <p:cNvPicPr>
+            <a:picLocks noChangeAspect="1"/>
+          </p:cNvPicPr>
+          <p:nvPr/>
+        </p:nvPicPr>
+        <p:blipFill>
+          <a:blip r:embed="rId3"/>
+          <a:stretch>
+            <a:fillRect/>
+          </a:stretch>
+        </p:blipFill>
+        <p:spPr>
+          <a:xfrm>
+            <a:off x="3901330" y="2495156"/>
             <a:ext cx="4389339" cy="4362844"/>
           </a:xfrm>
           <a:prstGeom prst="rect">
@@ -5381,7 +5491,7 @@
     </p:spTree>
     <p:extLst>
       <p:ext uri="{BB962C8B-B14F-4D97-AF65-F5344CB8AC3E}">
-        <p14:creationId xmlns:p14="http://schemas.microsoft.com/office/powerpoint/2010/main" val="833330281"/>
+        <p14:creationId xmlns:p14="http://schemas.microsoft.com/office/powerpoint/2010/main" val="1384958906"/>
       </p:ext>
     </p:extLst>
   </p:cSld>
@@ -5413,7 +5523,7 @@
           <p:cNvPr id="2" name="Title 1">
             <a:extLst>
               <a:ext uri="{FF2B5EF4-FFF2-40B4-BE49-F238E27FC236}">
-                <a16:creationId xmlns:a16="http://schemas.microsoft.com/office/drawing/2014/main" id="{1BEACE54-8940-4896-9D2A-B8E5C09E160E}"/>
+                <a16:creationId xmlns:a16="http://schemas.microsoft.com/office/drawing/2014/main" id="{7C87D34B-E501-4AFD-9300-AFA36E16CD5E}"/>
               </a:ext>
             </a:extLst>
           </p:cNvPr>
@@ -5430,53 +5540,49 @@
           <a:lstStyle/>
           <a:p>
             <a:r>
+              <a:rPr lang="en-US" dirty="0"/>
+              <a:t>Boxplot</a:t>
+            </a:r>
+          </a:p>
+        </p:txBody>
+      </p:sp>
+      <p:sp>
+        <p:nvSpPr>
+          <p:cNvPr id="3" name="Content Placeholder 2">
+            <a:extLst>
+              <a:ext uri="{FF2B5EF4-FFF2-40B4-BE49-F238E27FC236}">
+                <a16:creationId xmlns:a16="http://schemas.microsoft.com/office/drawing/2014/main" id="{33146D1A-0A7C-4C38-8C5E-24B8086B7448}"/>
+              </a:ext>
+            </a:extLst>
+          </p:cNvPr>
+          <p:cNvSpPr>
+            <a:spLocks noGrp="1"/>
+          </p:cNvSpPr>
+          <p:nvPr>
+            <p:ph idx="1"/>
+          </p:nvPr>
+        </p:nvSpPr>
+        <p:spPr/>
+        <p:txBody>
+          <a:bodyPr/>
+          <a:lstStyle/>
+          <a:p>
+            <a:r>
+              <a:rPr lang="en-US" dirty="0"/>
+              <a:t>Separated by Factor</a:t>
+            </a:r>
+          </a:p>
+          <a:p>
+            <a:pPr marL="0" indent="0">
+              <a:buNone/>
+            </a:pPr>
+            <a:r>
+              <a:rPr lang="en-US" dirty="0"/>
+              <a:t>boxplot(count ~ spray, data = </a:t>
+            </a:r>
+            <a:r>
               <a:rPr lang="en-US" dirty="0" err="1"/>
-              <a:t>Barchart</a:t>
-            </a:r>
-            <a:endParaRPr lang="en-US" dirty="0"/>
-          </a:p>
-        </p:txBody>
-      </p:sp>
-      <p:sp>
-        <p:nvSpPr>
-          <p:cNvPr id="3" name="Content Placeholder 2">
-            <a:extLst>
-              <a:ext uri="{FF2B5EF4-FFF2-40B4-BE49-F238E27FC236}">
-                <a16:creationId xmlns:a16="http://schemas.microsoft.com/office/drawing/2014/main" id="{874404A4-18F8-4469-90A1-09775A504FF2}"/>
-              </a:ext>
-            </a:extLst>
-          </p:cNvPr>
-          <p:cNvSpPr>
-            <a:spLocks noGrp="1"/>
-          </p:cNvSpPr>
-          <p:nvPr>
-            <p:ph idx="1"/>
-          </p:nvPr>
-        </p:nvSpPr>
-        <p:spPr>
-          <a:xfrm>
-            <a:off x="838200" y="1825625"/>
-            <a:ext cx="10515600" cy="557357"/>
-          </a:xfrm>
-        </p:spPr>
-        <p:txBody>
-          <a:bodyPr/>
-          <a:lstStyle/>
-          <a:p>
-            <a:pPr marL="0" indent="0">
-              <a:buNone/>
-            </a:pPr>
-            <a:r>
-              <a:rPr lang="en-US" dirty="0" err="1"/>
-              <a:t>barplot</a:t>
-            </a:r>
-            <a:r>
-              <a:rPr lang="en-US" dirty="0"/>
-              <a:t>(</a:t>
-            </a:r>
-            <a:r>
-              <a:rPr lang="en-US" dirty="0" err="1"/>
-              <a:t>VADeaths</a:t>
+              <a:t>InsectSprays</a:t>
             </a:r>
             <a:r>
               <a:rPr lang="en-US" dirty="0"/>
@@ -5487,10 +5593,10 @@
       </p:sp>
       <p:pic>
         <p:nvPicPr>
-          <p:cNvPr id="4" name="Picture 3">
-            <a:extLst>
-              <a:ext uri="{FF2B5EF4-FFF2-40B4-BE49-F238E27FC236}">
-                <a16:creationId xmlns:a16="http://schemas.microsoft.com/office/drawing/2014/main" id="{05465193-066D-4B5F-B273-14BCC1A850C3}"/>
+          <p:cNvPr id="5" name="Picture 4">
+            <a:extLst>
+              <a:ext uri="{FF2B5EF4-FFF2-40B4-BE49-F238E27FC236}">
+                <a16:creationId xmlns:a16="http://schemas.microsoft.com/office/drawing/2014/main" id="{4964298C-5A02-474A-B708-A2B43E725EDC}"/>
               </a:ext>
             </a:extLst>
           </p:cNvPr>
@@ -5507,8 +5613,8 @@
         </p:blipFill>
         <p:spPr>
           <a:xfrm>
-            <a:off x="5849163" y="1690688"/>
-            <a:ext cx="4511491" cy="4484485"/>
+            <a:off x="6964461" y="2130031"/>
+            <a:ext cx="4389339" cy="4362844"/>
           </a:xfrm>
           <a:prstGeom prst="rect">
             <a:avLst/>
@@ -5518,7 +5624,7 @@
     </p:spTree>
     <p:extLst>
       <p:ext uri="{BB962C8B-B14F-4D97-AF65-F5344CB8AC3E}">
-        <p14:creationId xmlns:p14="http://schemas.microsoft.com/office/powerpoint/2010/main" val="2335294707"/>
+        <p14:creationId xmlns:p14="http://schemas.microsoft.com/office/powerpoint/2010/main" val="833330281"/>
       </p:ext>
     </p:extLst>
   </p:cSld>
@@ -5550,7 +5656,7 @@
           <p:cNvPr id="2" name="Title 1">
             <a:extLst>
               <a:ext uri="{FF2B5EF4-FFF2-40B4-BE49-F238E27FC236}">
-                <a16:creationId xmlns:a16="http://schemas.microsoft.com/office/drawing/2014/main" id="{80B392AD-2746-405C-A837-E5C39545D814}"/>
+                <a16:creationId xmlns:a16="http://schemas.microsoft.com/office/drawing/2014/main" id="{1BEACE54-8940-4896-9D2A-B8E5C09E160E}"/>
               </a:ext>
             </a:extLst>
           </p:cNvPr>
@@ -5567,48 +5673,53 @@
           <a:lstStyle/>
           <a:p>
             <a:r>
+              <a:rPr lang="en-US" dirty="0" err="1"/>
+              <a:t>Barchart</a:t>
+            </a:r>
+            <a:endParaRPr lang="en-US" dirty="0"/>
+          </a:p>
+        </p:txBody>
+      </p:sp>
+      <p:sp>
+        <p:nvSpPr>
+          <p:cNvPr id="3" name="Content Placeholder 2">
+            <a:extLst>
+              <a:ext uri="{FF2B5EF4-FFF2-40B4-BE49-F238E27FC236}">
+                <a16:creationId xmlns:a16="http://schemas.microsoft.com/office/drawing/2014/main" id="{874404A4-18F8-4469-90A1-09775A504FF2}"/>
+              </a:ext>
+            </a:extLst>
+          </p:cNvPr>
+          <p:cNvSpPr>
+            <a:spLocks noGrp="1"/>
+          </p:cNvSpPr>
+          <p:nvPr>
+            <p:ph idx="1"/>
+          </p:nvPr>
+        </p:nvSpPr>
+        <p:spPr>
+          <a:xfrm>
+            <a:off x="838200" y="1825625"/>
+            <a:ext cx="10515600" cy="557357"/>
+          </a:xfrm>
+        </p:spPr>
+        <p:txBody>
+          <a:bodyPr/>
+          <a:lstStyle/>
+          <a:p>
+            <a:pPr marL="0" indent="0">
+              <a:buNone/>
+            </a:pPr>
+            <a:r>
+              <a:rPr lang="en-US" dirty="0" err="1"/>
+              <a:t>barplot</a:t>
+            </a:r>
+            <a:r>
               <a:rPr lang="en-US" dirty="0"/>
-              <a:t>Histogram</a:t>
-            </a:r>
-          </a:p>
-        </p:txBody>
-      </p:sp>
-      <p:sp>
-        <p:nvSpPr>
-          <p:cNvPr id="3" name="Content Placeholder 2">
-            <a:extLst>
-              <a:ext uri="{FF2B5EF4-FFF2-40B4-BE49-F238E27FC236}">
-                <a16:creationId xmlns:a16="http://schemas.microsoft.com/office/drawing/2014/main" id="{22DEB83D-986D-4036-BFC2-E15CC9B3FCF7}"/>
-              </a:ext>
-            </a:extLst>
-          </p:cNvPr>
-          <p:cNvSpPr>
-            <a:spLocks noGrp="1"/>
-          </p:cNvSpPr>
-          <p:nvPr>
-            <p:ph idx="1"/>
-          </p:nvPr>
-        </p:nvSpPr>
-        <p:spPr>
-          <a:xfrm>
-            <a:off x="838200" y="1825625"/>
-            <a:ext cx="10515600" cy="543502"/>
-          </a:xfrm>
-        </p:spPr>
-        <p:txBody>
-          <a:bodyPr/>
-          <a:lstStyle/>
-          <a:p>
-            <a:pPr marL="0" indent="0">
-              <a:buNone/>
-            </a:pPr>
-            <a:r>
-              <a:rPr lang="en-US" dirty="0"/>
-              <a:t>hist(</a:t>
+              <a:t>(</a:t>
             </a:r>
             <a:r>
               <a:rPr lang="en-US" dirty="0" err="1"/>
-              <a:t>iris$Sepal.Length</a:t>
+              <a:t>VADeaths</a:t>
             </a:r>
             <a:r>
               <a:rPr lang="en-US" dirty="0"/>
@@ -5622,7 +5733,7 @@
           <p:cNvPr id="4" name="Picture 3">
             <a:extLst>
               <a:ext uri="{FF2B5EF4-FFF2-40B4-BE49-F238E27FC236}">
-                <a16:creationId xmlns:a16="http://schemas.microsoft.com/office/drawing/2014/main" id="{B453FBDB-527C-4809-A1B0-D8A49B254107}"/>
+                <a16:creationId xmlns:a16="http://schemas.microsoft.com/office/drawing/2014/main" id="{05465193-066D-4B5F-B273-14BCC1A850C3}"/>
               </a:ext>
             </a:extLst>
           </p:cNvPr>
@@ -5639,7 +5750,7 @@
         </p:blipFill>
         <p:spPr>
           <a:xfrm>
-            <a:off x="6842309" y="1825625"/>
+            <a:off x="5849163" y="1690688"/>
             <a:ext cx="4511491" cy="4484485"/>
           </a:xfrm>
           <a:prstGeom prst="rect">
@@ -5650,7 +5761,7 @@
     </p:spTree>
     <p:extLst>
       <p:ext uri="{BB962C8B-B14F-4D97-AF65-F5344CB8AC3E}">
-        <p14:creationId xmlns:p14="http://schemas.microsoft.com/office/powerpoint/2010/main" val="1334821151"/>
+        <p14:creationId xmlns:p14="http://schemas.microsoft.com/office/powerpoint/2010/main" val="2335294707"/>
       </p:ext>
     </p:extLst>
   </p:cSld>
